--- a/imgs/sources.pptx
+++ b/imgs/sources.pptx
@@ -104,6 +104,11 @@
       </a:defRPr>
     </a:lvl9pPr>
   </p:defaultTextStyle>
+  <p:extLst>
+    <p:ext uri="{EFAFB233-063F-42B5-8137-9DF3F51BA10A}">
+      <p15:sldGuideLst xmlns:p15="http://schemas.microsoft.com/office/powerpoint/2012/main"/>
+    </p:ext>
+  </p:extLst>
 </p:presentation>
 </file>
 
@@ -256,7 +261,7 @@
           <a:p>
             <a:fld id="{370547DC-8235-9043-BAD3-3D5B5F6916E7}" type="datetimeFigureOut">
               <a:rPr lang="en-US" smtClean="0"/>
-              <a:t>2/2/24</a:t>
+              <a:t>2/8/24</a:t>
             </a:fld>
             <a:endParaRPr lang="en-US"/>
           </a:p>
@@ -456,7 +461,7 @@
           <a:p>
             <a:fld id="{370547DC-8235-9043-BAD3-3D5B5F6916E7}" type="datetimeFigureOut">
               <a:rPr lang="en-US" smtClean="0"/>
-              <a:t>2/2/24</a:t>
+              <a:t>2/8/24</a:t>
             </a:fld>
             <a:endParaRPr lang="en-US"/>
           </a:p>
@@ -666,7 +671,7 @@
           <a:p>
             <a:fld id="{370547DC-8235-9043-BAD3-3D5B5F6916E7}" type="datetimeFigureOut">
               <a:rPr lang="en-US" smtClean="0"/>
-              <a:t>2/2/24</a:t>
+              <a:t>2/8/24</a:t>
             </a:fld>
             <a:endParaRPr lang="en-US"/>
           </a:p>
@@ -866,7 +871,7 @@
           <a:p>
             <a:fld id="{370547DC-8235-9043-BAD3-3D5B5F6916E7}" type="datetimeFigureOut">
               <a:rPr lang="en-US" smtClean="0"/>
-              <a:t>2/2/24</a:t>
+              <a:t>2/8/24</a:t>
             </a:fld>
             <a:endParaRPr lang="en-US"/>
           </a:p>
@@ -1142,7 +1147,7 @@
           <a:p>
             <a:fld id="{370547DC-8235-9043-BAD3-3D5B5F6916E7}" type="datetimeFigureOut">
               <a:rPr lang="en-US" smtClean="0"/>
-              <a:t>2/2/24</a:t>
+              <a:t>2/8/24</a:t>
             </a:fld>
             <a:endParaRPr lang="en-US"/>
           </a:p>
@@ -1410,7 +1415,7 @@
           <a:p>
             <a:fld id="{370547DC-8235-9043-BAD3-3D5B5F6916E7}" type="datetimeFigureOut">
               <a:rPr lang="en-US" smtClean="0"/>
-              <a:t>2/2/24</a:t>
+              <a:t>2/8/24</a:t>
             </a:fld>
             <a:endParaRPr lang="en-US"/>
           </a:p>
@@ -1825,7 +1830,7 @@
           <a:p>
             <a:fld id="{370547DC-8235-9043-BAD3-3D5B5F6916E7}" type="datetimeFigureOut">
               <a:rPr lang="en-US" smtClean="0"/>
-              <a:t>2/2/24</a:t>
+              <a:t>2/8/24</a:t>
             </a:fld>
             <a:endParaRPr lang="en-US"/>
           </a:p>
@@ -1967,7 +1972,7 @@
           <a:p>
             <a:fld id="{370547DC-8235-9043-BAD3-3D5B5F6916E7}" type="datetimeFigureOut">
               <a:rPr lang="en-US" smtClean="0"/>
-              <a:t>2/2/24</a:t>
+              <a:t>2/8/24</a:t>
             </a:fld>
             <a:endParaRPr lang="en-US"/>
           </a:p>
@@ -2080,7 +2085,7 @@
           <a:p>
             <a:fld id="{370547DC-8235-9043-BAD3-3D5B5F6916E7}" type="datetimeFigureOut">
               <a:rPr lang="en-US" smtClean="0"/>
-              <a:t>2/2/24</a:t>
+              <a:t>2/8/24</a:t>
             </a:fld>
             <a:endParaRPr lang="en-US"/>
           </a:p>
@@ -2393,7 +2398,7 @@
           <a:p>
             <a:fld id="{370547DC-8235-9043-BAD3-3D5B5F6916E7}" type="datetimeFigureOut">
               <a:rPr lang="en-US" smtClean="0"/>
-              <a:t>2/2/24</a:t>
+              <a:t>2/8/24</a:t>
             </a:fld>
             <a:endParaRPr lang="en-US"/>
           </a:p>
@@ -2682,7 +2687,7 @@
           <a:p>
             <a:fld id="{370547DC-8235-9043-BAD3-3D5B5F6916E7}" type="datetimeFigureOut">
               <a:rPr lang="en-US" smtClean="0"/>
-              <a:t>2/2/24</a:t>
+              <a:t>2/8/24</a:t>
             </a:fld>
             <a:endParaRPr lang="en-US"/>
           </a:p>
@@ -2925,7 +2930,7 @@
           <a:p>
             <a:fld id="{370547DC-8235-9043-BAD3-3D5B5F6916E7}" type="datetimeFigureOut">
               <a:rPr lang="en-US" smtClean="0"/>
-              <a:t>2/2/24</a:t>
+              <a:t>2/8/24</a:t>
             </a:fld>
             <a:endParaRPr lang="en-US"/>
           </a:p>
@@ -4005,8 +4010,17 @@
           <a:p>
             <a:r>
               <a:rPr lang="en-US" sz="1200" b="1" dirty="0"/>
-              <a:t>Return: ACK</a:t>
-            </a:r>
+              <a:t>Return: </a:t>
+            </a:r>
+            <a:r>
+              <a:rPr lang="en-US" sz="1200" b="1" dirty="0" err="1"/>
+              <a:t>AggregationSource</a:t>
+            </a:r>
+            <a:r>
+              <a:rPr lang="en-US" sz="1200" b="1"/>
+              <a:t> object</a:t>
+            </a:r>
+            <a:endParaRPr lang="en-US" sz="1200" b="1" dirty="0"/>
           </a:p>
         </p:txBody>
       </p:sp>

--- a/imgs/sources.pptx
+++ b/imgs/sources.pptx
@@ -4017,10 +4017,9 @@
               <a:t>AggregationSource</a:t>
             </a:r>
             <a:r>
-              <a:rPr lang="en-US" sz="1200" b="1"/>
+              <a:rPr lang="en-US" sz="1200" b="1" dirty="0"/>
               <a:t> object</a:t>
             </a:r>
-            <a:endParaRPr lang="en-US" sz="1200" b="1" dirty="0"/>
           </a:p>
         </p:txBody>
       </p:sp>

--- a/imgs/sources.pptx
+++ b/imgs/sources.pptx
@@ -261,7 +261,7 @@
           <a:p>
             <a:fld id="{370547DC-8235-9043-BAD3-3D5B5F6916E7}" type="datetimeFigureOut">
               <a:rPr lang="en-US" smtClean="0"/>
-              <a:t>2/8/24</a:t>
+              <a:t>4/4/24</a:t>
             </a:fld>
             <a:endParaRPr lang="en-US"/>
           </a:p>
@@ -461,7 +461,7 @@
           <a:p>
             <a:fld id="{370547DC-8235-9043-BAD3-3D5B5F6916E7}" type="datetimeFigureOut">
               <a:rPr lang="en-US" smtClean="0"/>
-              <a:t>2/8/24</a:t>
+              <a:t>4/4/24</a:t>
             </a:fld>
             <a:endParaRPr lang="en-US"/>
           </a:p>
@@ -671,7 +671,7 @@
           <a:p>
             <a:fld id="{370547DC-8235-9043-BAD3-3D5B5F6916E7}" type="datetimeFigureOut">
               <a:rPr lang="en-US" smtClean="0"/>
-              <a:t>2/8/24</a:t>
+              <a:t>4/4/24</a:t>
             </a:fld>
             <a:endParaRPr lang="en-US"/>
           </a:p>
@@ -871,7 +871,7 @@
           <a:p>
             <a:fld id="{370547DC-8235-9043-BAD3-3D5B5F6916E7}" type="datetimeFigureOut">
               <a:rPr lang="en-US" smtClean="0"/>
-              <a:t>2/8/24</a:t>
+              <a:t>4/4/24</a:t>
             </a:fld>
             <a:endParaRPr lang="en-US"/>
           </a:p>
@@ -1147,7 +1147,7 @@
           <a:p>
             <a:fld id="{370547DC-8235-9043-BAD3-3D5B5F6916E7}" type="datetimeFigureOut">
               <a:rPr lang="en-US" smtClean="0"/>
-              <a:t>2/8/24</a:t>
+              <a:t>4/4/24</a:t>
             </a:fld>
             <a:endParaRPr lang="en-US"/>
           </a:p>
@@ -1415,7 +1415,7 @@
           <a:p>
             <a:fld id="{370547DC-8235-9043-BAD3-3D5B5F6916E7}" type="datetimeFigureOut">
               <a:rPr lang="en-US" smtClean="0"/>
-              <a:t>2/8/24</a:t>
+              <a:t>4/4/24</a:t>
             </a:fld>
             <a:endParaRPr lang="en-US"/>
           </a:p>
@@ -1830,7 +1830,7 @@
           <a:p>
             <a:fld id="{370547DC-8235-9043-BAD3-3D5B5F6916E7}" type="datetimeFigureOut">
               <a:rPr lang="en-US" smtClean="0"/>
-              <a:t>2/8/24</a:t>
+              <a:t>4/4/24</a:t>
             </a:fld>
             <a:endParaRPr lang="en-US"/>
           </a:p>
@@ -1972,7 +1972,7 @@
           <a:p>
             <a:fld id="{370547DC-8235-9043-BAD3-3D5B5F6916E7}" type="datetimeFigureOut">
               <a:rPr lang="en-US" smtClean="0"/>
-              <a:t>2/8/24</a:t>
+              <a:t>4/4/24</a:t>
             </a:fld>
             <a:endParaRPr lang="en-US"/>
           </a:p>
@@ -2085,7 +2085,7 @@
           <a:p>
             <a:fld id="{370547DC-8235-9043-BAD3-3D5B5F6916E7}" type="datetimeFigureOut">
               <a:rPr lang="en-US" smtClean="0"/>
-              <a:t>2/8/24</a:t>
+              <a:t>4/4/24</a:t>
             </a:fld>
             <a:endParaRPr lang="en-US"/>
           </a:p>
@@ -2398,7 +2398,7 @@
           <a:p>
             <a:fld id="{370547DC-8235-9043-BAD3-3D5B5F6916E7}" type="datetimeFigureOut">
               <a:rPr lang="en-US" smtClean="0"/>
-              <a:t>2/8/24</a:t>
+              <a:t>4/4/24</a:t>
             </a:fld>
             <a:endParaRPr lang="en-US"/>
           </a:p>
@@ -2687,7 +2687,7 @@
           <a:p>
             <a:fld id="{370547DC-8235-9043-BAD3-3D5B5F6916E7}" type="datetimeFigureOut">
               <a:rPr lang="en-US" smtClean="0"/>
-              <a:t>2/8/24</a:t>
+              <a:t>4/4/24</a:t>
             </a:fld>
             <a:endParaRPr lang="en-US"/>
           </a:p>
@@ -2930,7 +2930,7 @@
           <a:p>
             <a:fld id="{370547DC-8235-9043-BAD3-3D5B5F6916E7}" type="datetimeFigureOut">
               <a:rPr lang="en-US" smtClean="0"/>
-              <a:t>2/8/24</a:t>
+              <a:t>4/4/24</a:t>
             </a:fld>
             <a:endParaRPr lang="en-US"/>
           </a:p>
@@ -4010,15 +4010,15 @@
           <a:p>
             <a:r>
               <a:rPr lang="en-US" sz="1200" b="1" dirty="0"/>
-              <a:t>Return: </a:t>
-            </a:r>
-            <a:r>
-              <a:rPr lang="en-US" sz="1200" b="1" dirty="0" err="1"/>
-              <a:t>AggregationSource</a:t>
+              <a:t>PATCH: </a:t>
+            </a:r>
+            <a:r>
+              <a:rPr lang="en-US" sz="1200" b="1"/>
+              <a:t>EventDestination </a:t>
             </a:r>
             <a:r>
               <a:rPr lang="en-US" sz="1200" b="1" dirty="0"/>
-              <a:t> object</a:t>
+              <a:t>object</a:t>
             </a:r>
           </a:p>
         </p:txBody>

--- a/imgs/sources.pptx
+++ b/imgs/sources.pptx
@@ -4013,12 +4013,12 @@
               <a:t>PATCH: </a:t>
             </a:r>
             <a:r>
-              <a:rPr lang="en-US" sz="1200" b="1"/>
-              <a:t>EventDestination </a:t>
+              <a:rPr lang="en-US" sz="1200" b="1" dirty="0" err="1"/>
+              <a:t>EventDestination</a:t>
             </a:r>
             <a:r>
               <a:rPr lang="en-US" sz="1200" b="1" dirty="0"/>
-              <a:t>object</a:t>
+              <a:t> object</a:t>
             </a:r>
           </a:p>
         </p:txBody>

--- a/imgs/sources.pptx
+++ b/imgs/sources.pptx
@@ -112,6 +112,211 @@
 </p:presentation>
 </file>
 
+<file path=ppt/changesInfos/changesInfo1.xml><?xml version="1.0" encoding="utf-8"?>
+<pc:chgInfo xmlns:a="http://schemas.openxmlformats.org/drawingml/2006/main" xmlns:r="http://schemas.openxmlformats.org/officeDocument/2006/relationships" xmlns:ac="http://schemas.microsoft.com/office/drawing/2013/main/command" xmlns:pc="http://schemas.microsoft.com/office/powerpoint/2013/main/command">
+  <pc:docChgLst>
+    <pc:chgData name="Herrell, Russ W (Senior System Architect)" userId="9de5c4ec-0cf0-47e6-9f54-b7fe85f442ac" providerId="ADAL" clId="{0191417D-0673-4887-9E8C-D2310DA0D0C1}"/>
+    <pc:docChg chg="modSld">
+      <pc:chgData name="Herrell, Russ W (Senior System Architect)" userId="9de5c4ec-0cf0-47e6-9f54-b7fe85f442ac" providerId="ADAL" clId="{0191417D-0673-4887-9E8C-D2310DA0D0C1}" dt="2024-04-19T02:12:27.589" v="0" actId="1076"/>
+      <pc:docMkLst>
+        <pc:docMk/>
+      </pc:docMkLst>
+      <pc:sldChg chg="modSp mod">
+        <pc:chgData name="Herrell, Russ W (Senior System Architect)" userId="9de5c4ec-0cf0-47e6-9f54-b7fe85f442ac" providerId="ADAL" clId="{0191417D-0673-4887-9E8C-D2310DA0D0C1}" dt="2024-04-19T02:12:27.589" v="0" actId="1076"/>
+        <pc:sldMkLst>
+          <pc:docMk/>
+          <pc:sldMk cId="1378053011" sldId="256"/>
+        </pc:sldMkLst>
+        <pc:spChg chg="mod">
+          <ac:chgData name="Herrell, Russ W (Senior System Architect)" userId="9de5c4ec-0cf0-47e6-9f54-b7fe85f442ac" providerId="ADAL" clId="{0191417D-0673-4887-9E8C-D2310DA0D0C1}" dt="2024-04-19T02:12:27.589" v="0" actId="1076"/>
+          <ac:spMkLst>
+            <pc:docMk/>
+            <pc:sldMk cId="1378053011" sldId="256"/>
+            <ac:spMk id="4" creationId="{945C2A0D-C06A-8E28-A9AD-9650C40441F0}"/>
+          </ac:spMkLst>
+        </pc:spChg>
+        <pc:spChg chg="mod">
+          <ac:chgData name="Herrell, Russ W (Senior System Architect)" userId="9de5c4ec-0cf0-47e6-9f54-b7fe85f442ac" providerId="ADAL" clId="{0191417D-0673-4887-9E8C-D2310DA0D0C1}" dt="2024-04-19T02:12:27.589" v="0" actId="1076"/>
+          <ac:spMkLst>
+            <pc:docMk/>
+            <pc:sldMk cId="1378053011" sldId="256"/>
+            <ac:spMk id="8" creationId="{CB1C29BF-0E88-B72B-6FEE-B2B7364A0491}"/>
+          </ac:spMkLst>
+        </pc:spChg>
+        <pc:spChg chg="mod">
+          <ac:chgData name="Herrell, Russ W (Senior System Architect)" userId="9de5c4ec-0cf0-47e6-9f54-b7fe85f442ac" providerId="ADAL" clId="{0191417D-0673-4887-9E8C-D2310DA0D0C1}" dt="2024-04-19T02:12:27.589" v="0" actId="1076"/>
+          <ac:spMkLst>
+            <pc:docMk/>
+            <pc:sldMk cId="1378053011" sldId="256"/>
+            <ac:spMk id="12" creationId="{447A0F26-4729-34F2-B1EC-E8AEC4D9E872}"/>
+          </ac:spMkLst>
+        </pc:spChg>
+        <pc:spChg chg="mod">
+          <ac:chgData name="Herrell, Russ W (Senior System Architect)" userId="9de5c4ec-0cf0-47e6-9f54-b7fe85f442ac" providerId="ADAL" clId="{0191417D-0673-4887-9E8C-D2310DA0D0C1}" dt="2024-04-19T02:12:27.589" v="0" actId="1076"/>
+          <ac:spMkLst>
+            <pc:docMk/>
+            <pc:sldMk cId="1378053011" sldId="256"/>
+            <ac:spMk id="13" creationId="{7D9425F7-7C30-FB4E-CA9A-F33F0BD7F79C}"/>
+          </ac:spMkLst>
+        </pc:spChg>
+        <pc:spChg chg="mod">
+          <ac:chgData name="Herrell, Russ W (Senior System Architect)" userId="9de5c4ec-0cf0-47e6-9f54-b7fe85f442ac" providerId="ADAL" clId="{0191417D-0673-4887-9E8C-D2310DA0D0C1}" dt="2024-04-19T02:12:27.589" v="0" actId="1076"/>
+          <ac:spMkLst>
+            <pc:docMk/>
+            <pc:sldMk cId="1378053011" sldId="256"/>
+            <ac:spMk id="14" creationId="{3D3EE569-526F-B38D-9BEF-7ED6F91E0A46}"/>
+          </ac:spMkLst>
+        </pc:spChg>
+        <pc:spChg chg="mod">
+          <ac:chgData name="Herrell, Russ W (Senior System Architect)" userId="9de5c4ec-0cf0-47e6-9f54-b7fe85f442ac" providerId="ADAL" clId="{0191417D-0673-4887-9E8C-D2310DA0D0C1}" dt="2024-04-19T02:12:27.589" v="0" actId="1076"/>
+          <ac:spMkLst>
+            <pc:docMk/>
+            <pc:sldMk cId="1378053011" sldId="256"/>
+            <ac:spMk id="15" creationId="{79530667-B673-412B-9BD9-A2FEAB2546BE}"/>
+          </ac:spMkLst>
+        </pc:spChg>
+        <pc:spChg chg="mod">
+          <ac:chgData name="Herrell, Russ W (Senior System Architect)" userId="9de5c4ec-0cf0-47e6-9f54-b7fe85f442ac" providerId="ADAL" clId="{0191417D-0673-4887-9E8C-D2310DA0D0C1}" dt="2024-04-19T02:12:27.589" v="0" actId="1076"/>
+          <ac:spMkLst>
+            <pc:docMk/>
+            <pc:sldMk cId="1378053011" sldId="256"/>
+            <ac:spMk id="16" creationId="{92744C4F-0037-605F-0315-85E03D69C47D}"/>
+          </ac:spMkLst>
+        </pc:spChg>
+        <pc:spChg chg="mod">
+          <ac:chgData name="Herrell, Russ W (Senior System Architect)" userId="9de5c4ec-0cf0-47e6-9f54-b7fe85f442ac" providerId="ADAL" clId="{0191417D-0673-4887-9E8C-D2310DA0D0C1}" dt="2024-04-19T02:12:27.589" v="0" actId="1076"/>
+          <ac:spMkLst>
+            <pc:docMk/>
+            <pc:sldMk cId="1378053011" sldId="256"/>
+            <ac:spMk id="18" creationId="{DC886668-E868-0D9B-4B4E-3AF2BD4C4CA7}"/>
+          </ac:spMkLst>
+        </pc:spChg>
+        <pc:spChg chg="mod">
+          <ac:chgData name="Herrell, Russ W (Senior System Architect)" userId="9de5c4ec-0cf0-47e6-9f54-b7fe85f442ac" providerId="ADAL" clId="{0191417D-0673-4887-9E8C-D2310DA0D0C1}" dt="2024-04-19T02:12:27.589" v="0" actId="1076"/>
+          <ac:spMkLst>
+            <pc:docMk/>
+            <pc:sldMk cId="1378053011" sldId="256"/>
+            <ac:spMk id="19" creationId="{373E6EA8-3169-8E7D-8D40-9D714CDB24D9}"/>
+          </ac:spMkLst>
+        </pc:spChg>
+        <pc:spChg chg="mod">
+          <ac:chgData name="Herrell, Russ W (Senior System Architect)" userId="9de5c4ec-0cf0-47e6-9f54-b7fe85f442ac" providerId="ADAL" clId="{0191417D-0673-4887-9E8C-D2310DA0D0C1}" dt="2024-04-19T02:12:27.589" v="0" actId="1076"/>
+          <ac:spMkLst>
+            <pc:docMk/>
+            <pc:sldMk cId="1378053011" sldId="256"/>
+            <ac:spMk id="25" creationId="{4FF2E711-80BC-D09C-81BA-F40A93C6FB75}"/>
+          </ac:spMkLst>
+        </pc:spChg>
+        <pc:spChg chg="mod">
+          <ac:chgData name="Herrell, Russ W (Senior System Architect)" userId="9de5c4ec-0cf0-47e6-9f54-b7fe85f442ac" providerId="ADAL" clId="{0191417D-0673-4887-9E8C-D2310DA0D0C1}" dt="2024-04-19T02:12:27.589" v="0" actId="1076"/>
+          <ac:spMkLst>
+            <pc:docMk/>
+            <pc:sldMk cId="1378053011" sldId="256"/>
+            <ac:spMk id="26" creationId="{0CDFB883-2FFA-6815-124D-802F5A0CDC54}"/>
+          </ac:spMkLst>
+        </pc:spChg>
+        <pc:spChg chg="mod">
+          <ac:chgData name="Herrell, Russ W (Senior System Architect)" userId="9de5c4ec-0cf0-47e6-9f54-b7fe85f442ac" providerId="ADAL" clId="{0191417D-0673-4887-9E8C-D2310DA0D0C1}" dt="2024-04-19T02:12:27.589" v="0" actId="1076"/>
+          <ac:spMkLst>
+            <pc:docMk/>
+            <pc:sldMk cId="1378053011" sldId="256"/>
+            <ac:spMk id="27" creationId="{752D71F9-01A8-FDFA-8CD6-5822125B33D0}"/>
+          </ac:spMkLst>
+        </pc:spChg>
+        <pc:spChg chg="mod">
+          <ac:chgData name="Herrell, Russ W (Senior System Architect)" userId="9de5c4ec-0cf0-47e6-9f54-b7fe85f442ac" providerId="ADAL" clId="{0191417D-0673-4887-9E8C-D2310DA0D0C1}" dt="2024-04-19T02:12:27.589" v="0" actId="1076"/>
+          <ac:spMkLst>
+            <pc:docMk/>
+            <pc:sldMk cId="1378053011" sldId="256"/>
+            <ac:spMk id="28" creationId="{B0D48336-7ECB-7685-2D8C-80063CF72080}"/>
+          </ac:spMkLst>
+        </pc:spChg>
+        <pc:spChg chg="mod">
+          <ac:chgData name="Herrell, Russ W (Senior System Architect)" userId="9de5c4ec-0cf0-47e6-9f54-b7fe85f442ac" providerId="ADAL" clId="{0191417D-0673-4887-9E8C-D2310DA0D0C1}" dt="2024-04-19T02:12:27.589" v="0" actId="1076"/>
+          <ac:spMkLst>
+            <pc:docMk/>
+            <pc:sldMk cId="1378053011" sldId="256"/>
+            <ac:spMk id="29" creationId="{4372E88C-38A5-521F-8A55-6ACEC3F5EC6F}"/>
+          </ac:spMkLst>
+        </pc:spChg>
+        <pc:spChg chg="mod">
+          <ac:chgData name="Herrell, Russ W (Senior System Architect)" userId="9de5c4ec-0cf0-47e6-9f54-b7fe85f442ac" providerId="ADAL" clId="{0191417D-0673-4887-9E8C-D2310DA0D0C1}" dt="2024-04-19T02:12:27.589" v="0" actId="1076"/>
+          <ac:spMkLst>
+            <pc:docMk/>
+            <pc:sldMk cId="1378053011" sldId="256"/>
+            <ac:spMk id="36" creationId="{A67B0E2B-16D5-AF30-4098-573BE062DBE3}"/>
+          </ac:spMkLst>
+        </pc:spChg>
+        <pc:cxnChg chg="mod">
+          <ac:chgData name="Herrell, Russ W (Senior System Architect)" userId="9de5c4ec-0cf0-47e6-9f54-b7fe85f442ac" providerId="ADAL" clId="{0191417D-0673-4887-9E8C-D2310DA0D0C1}" dt="2024-04-19T02:12:27.589" v="0" actId="1076"/>
+          <ac:cxnSpMkLst>
+            <pc:docMk/>
+            <pc:sldMk cId="1378053011" sldId="256"/>
+            <ac:cxnSpMk id="7" creationId="{E6D3617F-8D4C-A06C-95CC-59E6C4795D57}"/>
+          </ac:cxnSpMkLst>
+        </pc:cxnChg>
+        <pc:cxnChg chg="mod">
+          <ac:chgData name="Herrell, Russ W (Senior System Architect)" userId="9de5c4ec-0cf0-47e6-9f54-b7fe85f442ac" providerId="ADAL" clId="{0191417D-0673-4887-9E8C-D2310DA0D0C1}" dt="2024-04-19T02:12:27.589" v="0" actId="1076"/>
+          <ac:cxnSpMkLst>
+            <pc:docMk/>
+            <pc:sldMk cId="1378053011" sldId="256"/>
+            <ac:cxnSpMk id="9" creationId="{B29372D8-D2EF-19E3-D258-CF51233170AD}"/>
+          </ac:cxnSpMkLst>
+        </pc:cxnChg>
+        <pc:cxnChg chg="mod">
+          <ac:chgData name="Herrell, Russ W (Senior System Architect)" userId="9de5c4ec-0cf0-47e6-9f54-b7fe85f442ac" providerId="ADAL" clId="{0191417D-0673-4887-9E8C-D2310DA0D0C1}" dt="2024-04-19T02:12:27.589" v="0" actId="1076"/>
+          <ac:cxnSpMkLst>
+            <pc:docMk/>
+            <pc:sldMk cId="1378053011" sldId="256"/>
+            <ac:cxnSpMk id="11" creationId="{3A4F1EB1-3B18-99D2-3510-27F9751235AD}"/>
+          </ac:cxnSpMkLst>
+        </pc:cxnChg>
+        <pc:cxnChg chg="mod">
+          <ac:chgData name="Herrell, Russ W (Senior System Architect)" userId="9de5c4ec-0cf0-47e6-9f54-b7fe85f442ac" providerId="ADAL" clId="{0191417D-0673-4887-9E8C-D2310DA0D0C1}" dt="2024-04-19T02:12:27.589" v="0" actId="1076"/>
+          <ac:cxnSpMkLst>
+            <pc:docMk/>
+            <pc:sldMk cId="1378053011" sldId="256"/>
+            <ac:cxnSpMk id="17" creationId="{55F40A8E-D49F-B868-3ABD-7BB7075C7A4D}"/>
+          </ac:cxnSpMkLst>
+        </pc:cxnChg>
+        <pc:cxnChg chg="mod">
+          <ac:chgData name="Herrell, Russ W (Senior System Architect)" userId="9de5c4ec-0cf0-47e6-9f54-b7fe85f442ac" providerId="ADAL" clId="{0191417D-0673-4887-9E8C-D2310DA0D0C1}" dt="2024-04-19T02:12:27.589" v="0" actId="1076"/>
+          <ac:cxnSpMkLst>
+            <pc:docMk/>
+            <pc:sldMk cId="1378053011" sldId="256"/>
+            <ac:cxnSpMk id="24" creationId="{895E0666-7AE4-16B6-6CBA-D57D5E0674D1}"/>
+          </ac:cxnSpMkLst>
+        </pc:cxnChg>
+        <pc:cxnChg chg="mod">
+          <ac:chgData name="Herrell, Russ W (Senior System Architect)" userId="9de5c4ec-0cf0-47e6-9f54-b7fe85f442ac" providerId="ADAL" clId="{0191417D-0673-4887-9E8C-D2310DA0D0C1}" dt="2024-04-19T02:12:27.589" v="0" actId="1076"/>
+          <ac:cxnSpMkLst>
+            <pc:docMk/>
+            <pc:sldMk cId="1378053011" sldId="256"/>
+            <ac:cxnSpMk id="33" creationId="{8A3293CB-EF9B-2A73-D2BA-263ABBC3036E}"/>
+          </ac:cxnSpMkLst>
+        </pc:cxnChg>
+        <pc:cxnChg chg="mod">
+          <ac:chgData name="Herrell, Russ W (Senior System Architect)" userId="9de5c4ec-0cf0-47e6-9f54-b7fe85f442ac" providerId="ADAL" clId="{0191417D-0673-4887-9E8C-D2310DA0D0C1}" dt="2024-04-19T02:12:27.589" v="0" actId="1076"/>
+          <ac:cxnSpMkLst>
+            <pc:docMk/>
+            <pc:sldMk cId="1378053011" sldId="256"/>
+            <ac:cxnSpMk id="34" creationId="{6E82965C-95D9-F7FA-E7FC-544468D95796}"/>
+          </ac:cxnSpMkLst>
+        </pc:cxnChg>
+        <pc:cxnChg chg="mod">
+          <ac:chgData name="Herrell, Russ W (Senior System Architect)" userId="9de5c4ec-0cf0-47e6-9f54-b7fe85f442ac" providerId="ADAL" clId="{0191417D-0673-4887-9E8C-D2310DA0D0C1}" dt="2024-04-19T02:12:27.589" v="0" actId="1076"/>
+          <ac:cxnSpMkLst>
+            <pc:docMk/>
+            <pc:sldMk cId="1378053011" sldId="256"/>
+            <ac:cxnSpMk id="35" creationId="{4259E39A-F2F2-D547-056F-7BBE40AD7E0E}"/>
+          </ac:cxnSpMkLst>
+        </pc:cxnChg>
+      </pc:sldChg>
+    </pc:docChg>
+  </pc:docChgLst>
+</pc:chgInfo>
+</file>
+
 <file path=ppt/slideLayouts/slideLayout1.xml><?xml version="1.0" encoding="utf-8"?>
 <p:sldLayout xmlns:a="http://schemas.openxmlformats.org/drawingml/2006/main" xmlns:r="http://schemas.openxmlformats.org/officeDocument/2006/relationships" xmlns:p="http://schemas.openxmlformats.org/presentationml/2006/main" type="title" preserve="1">
   <p:cSld name="Title Slide">
@@ -261,7 +466,7 @@
           <a:p>
             <a:fld id="{370547DC-8235-9043-BAD3-3D5B5F6916E7}" type="datetimeFigureOut">
               <a:rPr lang="en-US" smtClean="0"/>
-              <a:t>4/4/24</a:t>
+              <a:t>4/18/2024</a:t>
             </a:fld>
             <a:endParaRPr lang="en-US"/>
           </a:p>
@@ -461,7 +666,7 @@
           <a:p>
             <a:fld id="{370547DC-8235-9043-BAD3-3D5B5F6916E7}" type="datetimeFigureOut">
               <a:rPr lang="en-US" smtClean="0"/>
-              <a:t>4/4/24</a:t>
+              <a:t>4/18/2024</a:t>
             </a:fld>
             <a:endParaRPr lang="en-US"/>
           </a:p>
@@ -671,7 +876,7 @@
           <a:p>
             <a:fld id="{370547DC-8235-9043-BAD3-3D5B5F6916E7}" type="datetimeFigureOut">
               <a:rPr lang="en-US" smtClean="0"/>
-              <a:t>4/4/24</a:t>
+              <a:t>4/18/2024</a:t>
             </a:fld>
             <a:endParaRPr lang="en-US"/>
           </a:p>
@@ -871,7 +1076,7 @@
           <a:p>
             <a:fld id="{370547DC-8235-9043-BAD3-3D5B5F6916E7}" type="datetimeFigureOut">
               <a:rPr lang="en-US" smtClean="0"/>
-              <a:t>4/4/24</a:t>
+              <a:t>4/18/2024</a:t>
             </a:fld>
             <a:endParaRPr lang="en-US"/>
           </a:p>
@@ -1147,7 +1352,7 @@
           <a:p>
             <a:fld id="{370547DC-8235-9043-BAD3-3D5B5F6916E7}" type="datetimeFigureOut">
               <a:rPr lang="en-US" smtClean="0"/>
-              <a:t>4/4/24</a:t>
+              <a:t>4/18/2024</a:t>
             </a:fld>
             <a:endParaRPr lang="en-US"/>
           </a:p>
@@ -1415,7 +1620,7 @@
           <a:p>
             <a:fld id="{370547DC-8235-9043-BAD3-3D5B5F6916E7}" type="datetimeFigureOut">
               <a:rPr lang="en-US" smtClean="0"/>
-              <a:t>4/4/24</a:t>
+              <a:t>4/18/2024</a:t>
             </a:fld>
             <a:endParaRPr lang="en-US"/>
           </a:p>
@@ -1830,7 +2035,7 @@
           <a:p>
             <a:fld id="{370547DC-8235-9043-BAD3-3D5B5F6916E7}" type="datetimeFigureOut">
               <a:rPr lang="en-US" smtClean="0"/>
-              <a:t>4/4/24</a:t>
+              <a:t>4/18/2024</a:t>
             </a:fld>
             <a:endParaRPr lang="en-US"/>
           </a:p>
@@ -1972,7 +2177,7 @@
           <a:p>
             <a:fld id="{370547DC-8235-9043-BAD3-3D5B5F6916E7}" type="datetimeFigureOut">
               <a:rPr lang="en-US" smtClean="0"/>
-              <a:t>4/4/24</a:t>
+              <a:t>4/18/2024</a:t>
             </a:fld>
             <a:endParaRPr lang="en-US"/>
           </a:p>
@@ -2085,7 +2290,7 @@
           <a:p>
             <a:fld id="{370547DC-8235-9043-BAD3-3D5B5F6916E7}" type="datetimeFigureOut">
               <a:rPr lang="en-US" smtClean="0"/>
-              <a:t>4/4/24</a:t>
+              <a:t>4/18/2024</a:t>
             </a:fld>
             <a:endParaRPr lang="en-US"/>
           </a:p>
@@ -2398,7 +2603,7 @@
           <a:p>
             <a:fld id="{370547DC-8235-9043-BAD3-3D5B5F6916E7}" type="datetimeFigureOut">
               <a:rPr lang="en-US" smtClean="0"/>
-              <a:t>4/4/24</a:t>
+              <a:t>4/18/2024</a:t>
             </a:fld>
             <a:endParaRPr lang="en-US"/>
           </a:p>
@@ -2687,7 +2892,7 @@
           <a:p>
             <a:fld id="{370547DC-8235-9043-BAD3-3D5B5F6916E7}" type="datetimeFigureOut">
               <a:rPr lang="en-US" smtClean="0"/>
-              <a:t>4/4/24</a:t>
+              <a:t>4/18/2024</a:t>
             </a:fld>
             <a:endParaRPr lang="en-US"/>
           </a:p>
@@ -2930,7 +3135,7 @@
           <a:p>
             <a:fld id="{370547DC-8235-9043-BAD3-3D5B5F6916E7}" type="datetimeFigureOut">
               <a:rPr lang="en-US" smtClean="0"/>
-              <a:t>4/4/24</a:t>
+              <a:t>4/18/2024</a:t>
             </a:fld>
             <a:endParaRPr lang="en-US"/>
           </a:p>
@@ -3361,7 +3566,7 @@
         </p:nvSpPr>
         <p:spPr>
           <a:xfrm>
-            <a:off x="1665514" y="1240971"/>
+            <a:off x="3565566" y="1062841"/>
             <a:ext cx="1458686" cy="620486"/>
           </a:xfrm>
           <a:prstGeom prst="rect">
@@ -3417,7 +3622,7 @@
         </p:nvCxnSpPr>
         <p:spPr>
           <a:xfrm>
-            <a:off x="2394857" y="1861457"/>
+            <a:off x="4294909" y="1683327"/>
             <a:ext cx="0" cy="4077789"/>
           </a:xfrm>
           <a:prstGeom prst="line">
@@ -3458,7 +3663,7 @@
         </p:nvSpPr>
         <p:spPr>
           <a:xfrm>
-            <a:off x="5812972" y="1240971"/>
+            <a:off x="7713024" y="1062841"/>
             <a:ext cx="1458686" cy="620486"/>
           </a:xfrm>
           <a:prstGeom prst="rect">
@@ -3514,7 +3719,7 @@
         </p:nvCxnSpPr>
         <p:spPr>
           <a:xfrm>
-            <a:off x="6542315" y="1861457"/>
+            <a:off x="8442367" y="1683327"/>
             <a:ext cx="0" cy="4077789"/>
           </a:xfrm>
           <a:prstGeom prst="line">
@@ -3555,7 +3760,7 @@
         </p:nvCxnSpPr>
         <p:spPr>
           <a:xfrm flipH="1">
-            <a:off x="2454515" y="2394857"/>
+            <a:off x="4354567" y="2216727"/>
             <a:ext cx="3995489" cy="0"/>
           </a:xfrm>
           <a:prstGeom prst="straightConnector1">
@@ -3597,7 +3802,7 @@
         </p:nvSpPr>
         <p:spPr>
           <a:xfrm>
-            <a:off x="2618016" y="2090591"/>
+            <a:off x="4518068" y="1912461"/>
             <a:ext cx="174172" cy="239405"/>
           </a:xfrm>
           <a:prstGeom prst="rect">
@@ -3656,7 +3861,7 @@
         </p:nvSpPr>
         <p:spPr>
           <a:xfrm>
-            <a:off x="2792188" y="2071795"/>
+            <a:off x="4692240" y="1893665"/>
             <a:ext cx="3973280" cy="276999"/>
           </a:xfrm>
           <a:prstGeom prst="rect">
@@ -3691,7 +3896,7 @@
         </p:nvSpPr>
         <p:spPr>
           <a:xfrm>
-            <a:off x="2171699" y="2797338"/>
+            <a:off x="4071751" y="2619208"/>
             <a:ext cx="212272" cy="337747"/>
           </a:xfrm>
           <a:custGeom>
@@ -3793,7 +3998,7 @@
         </p:nvSpPr>
         <p:spPr>
           <a:xfrm>
-            <a:off x="742968" y="2643045"/>
+            <a:off x="2643020" y="2464915"/>
             <a:ext cx="1406957" cy="646331"/>
           </a:xfrm>
           <a:prstGeom prst="rect">
@@ -3833,7 +4038,7 @@
         </p:nvSpPr>
         <p:spPr>
           <a:xfrm>
-            <a:off x="832758" y="2405743"/>
+            <a:off x="2732810" y="2227613"/>
             <a:ext cx="174172" cy="239405"/>
           </a:xfrm>
           <a:prstGeom prst="rect">
@@ -3892,7 +4097,7 @@
         </p:nvCxnSpPr>
         <p:spPr>
           <a:xfrm flipH="1">
-            <a:off x="2454515" y="3601512"/>
+            <a:off x="4354567" y="3423382"/>
             <a:ext cx="3995489" cy="0"/>
           </a:xfrm>
           <a:prstGeom prst="straightConnector1">
@@ -3935,7 +4140,7 @@
         </p:nvSpPr>
         <p:spPr>
           <a:xfrm>
-            <a:off x="2618016" y="3297246"/>
+            <a:off x="4518068" y="3119116"/>
             <a:ext cx="174172" cy="239405"/>
           </a:xfrm>
           <a:prstGeom prst="rect">
@@ -3994,7 +4199,7 @@
         </p:nvSpPr>
         <p:spPr>
           <a:xfrm>
-            <a:off x="2792188" y="3278450"/>
+            <a:off x="4692240" y="3100320"/>
             <a:ext cx="3973280" cy="276999"/>
           </a:xfrm>
           <a:prstGeom prst="rect">
@@ -4037,7 +4242,7 @@
         </p:nvCxnSpPr>
         <p:spPr>
           <a:xfrm flipH="1">
-            <a:off x="2454515" y="4333972"/>
+            <a:off x="4354567" y="4155842"/>
             <a:ext cx="3995489" cy="0"/>
           </a:xfrm>
           <a:prstGeom prst="straightConnector1">
@@ -4079,7 +4284,7 @@
         </p:nvSpPr>
         <p:spPr>
           <a:xfrm>
-            <a:off x="2618017" y="4029706"/>
+            <a:off x="4518069" y="3851576"/>
             <a:ext cx="174172" cy="239405"/>
           </a:xfrm>
           <a:prstGeom prst="rect">
@@ -4138,7 +4343,7 @@
         </p:nvSpPr>
         <p:spPr>
           <a:xfrm>
-            <a:off x="2792188" y="4010910"/>
+            <a:off x="4692240" y="3832780"/>
             <a:ext cx="3973280" cy="276999"/>
           </a:xfrm>
           <a:prstGeom prst="rect">
@@ -4173,7 +4378,7 @@
         </p:nvSpPr>
         <p:spPr>
           <a:xfrm>
-            <a:off x="2129768" y="5006426"/>
+            <a:off x="4029820" y="4828296"/>
             <a:ext cx="212272" cy="337747"/>
           </a:xfrm>
           <a:custGeom>
@@ -4275,7 +4480,7 @@
         </p:nvSpPr>
         <p:spPr>
           <a:xfrm>
-            <a:off x="701037" y="4852133"/>
+            <a:off x="2601089" y="4674003"/>
             <a:ext cx="1406957" cy="1200329"/>
           </a:xfrm>
           <a:prstGeom prst="rect">
@@ -4310,7 +4515,7 @@
         </p:nvSpPr>
         <p:spPr>
           <a:xfrm>
-            <a:off x="790827" y="4614831"/>
+            <a:off x="2690879" y="4436701"/>
             <a:ext cx="174172" cy="239405"/>
           </a:xfrm>
           <a:prstGeom prst="rect">
@@ -4369,7 +4574,7 @@
         </p:nvCxnSpPr>
         <p:spPr>
           <a:xfrm flipH="1">
-            <a:off x="2471933" y="5025363"/>
+            <a:off x="4371985" y="4847233"/>
             <a:ext cx="3995489" cy="0"/>
           </a:xfrm>
           <a:prstGeom prst="straightConnector1">
@@ -4412,7 +4617,7 @@
         </p:nvCxnSpPr>
         <p:spPr>
           <a:xfrm flipH="1">
-            <a:off x="2471933" y="5279374"/>
+            <a:off x="4371985" y="5101244"/>
             <a:ext cx="3995489" cy="0"/>
           </a:xfrm>
           <a:prstGeom prst="straightConnector1">
@@ -4455,7 +4660,7 @@
         </p:nvCxnSpPr>
         <p:spPr>
           <a:xfrm flipH="1">
-            <a:off x="2471933" y="5160346"/>
+            <a:off x="4371985" y="4982216"/>
             <a:ext cx="3995489" cy="0"/>
           </a:xfrm>
           <a:prstGeom prst="straightConnector1">
@@ -4498,7 +4703,7 @@
         </p:nvSpPr>
         <p:spPr>
           <a:xfrm>
-            <a:off x="2792188" y="4764320"/>
+            <a:off x="4692240" y="4586190"/>
             <a:ext cx="3973280" cy="276999"/>
           </a:xfrm>
           <a:prstGeom prst="rect">
